--- a/Question&Model.pptx
+++ b/Question&Model.pptx
@@ -4191,12 +4191,59 @@
         </p:nvSpPr>
         <p:spPr/>
         <p:txBody>
-          <a:bodyPr/>
+          <a:bodyPr>
+            <a:normAutofit fontScale="85000" lnSpcReduction="10000"/>
+          </a:bodyPr>
           <a:lstStyle/>
           <a:p>
             <a:r>
               <a:rPr lang="en-US" dirty="0"/>
-              <a:t>Insert definitions of components here</a:t>
+              <a:t>Resistance - Property of edges that indicate energy lost between two nodes</a:t>
+            </a:r>
+          </a:p>
+          <a:p>
+            <a:endParaRPr lang="en-US" dirty="0"/>
+          </a:p>
+          <a:p>
+            <a:r>
+              <a:rPr lang="en-US" dirty="0"/>
+              <a:t>Voltage - Constant that represents the potential energy of the graph that is being observed</a:t>
+            </a:r>
+          </a:p>
+          <a:p>
+            <a:endParaRPr lang="en-US" dirty="0"/>
+          </a:p>
+          <a:p>
+            <a:r>
+              <a:rPr lang="en-US" dirty="0"/>
+              <a:t>Capacity - Total load that a transformer can handle</a:t>
+            </a:r>
+          </a:p>
+          <a:p>
+            <a:endParaRPr lang="en-US" dirty="0"/>
+          </a:p>
+          <a:p>
+            <a:r>
+              <a:rPr lang="en-US" dirty="0"/>
+              <a:t>Nodes- Points in the grid that are connected by edges</a:t>
+            </a:r>
+          </a:p>
+          <a:p>
+            <a:endParaRPr lang="en-US" dirty="0"/>
+          </a:p>
+          <a:p>
+            <a:r>
+              <a:rPr lang="en-US" dirty="0"/>
+              <a:t>Edges- Connections between nodes</a:t>
+            </a:r>
+          </a:p>
+          <a:p>
+            <a:endParaRPr lang="en-US" dirty="0"/>
+          </a:p>
+          <a:p>
+            <a:r>
+              <a:rPr lang="en-US" dirty="0"/>
+              <a:t>Graph- A collection of nodes and the edges that connect them</a:t>
             </a:r>
           </a:p>
         </p:txBody>
